--- a/lets-over-react.pptx
+++ b/lets-over-react.pptx
@@ -5,7 +5,7 @@
     <p:sldMasterId id="2147483714" r:id="rId1"/>
   </p:sldMasterIdLst>
   <p:handoutMasterIdLst>
-    <p:handoutMasterId r:id="rId16"/>
+    <p:handoutMasterId r:id="rId17"/>
   </p:handoutMasterIdLst>
   <p:sldIdLst>
     <p:sldId id="256" r:id="rId2"/>
@@ -17,11 +17,12 @@
     <p:sldId id="292" r:id="rId8"/>
     <p:sldId id="299" r:id="rId9"/>
     <p:sldId id="294" r:id="rId10"/>
-    <p:sldId id="298" r:id="rId11"/>
-    <p:sldId id="295" r:id="rId12"/>
-    <p:sldId id="296" r:id="rId13"/>
-    <p:sldId id="297" r:id="rId14"/>
-    <p:sldId id="275" r:id="rId15"/>
+    <p:sldId id="300" r:id="rId11"/>
+    <p:sldId id="298" r:id="rId12"/>
+    <p:sldId id="295" r:id="rId13"/>
+    <p:sldId id="296" r:id="rId14"/>
+    <p:sldId id="297" r:id="rId15"/>
+    <p:sldId id="275" r:id="rId16"/>
   </p:sldIdLst>
   <p:sldSz cx="12192000" cy="6858000"/>
   <p:notesSz cx="6858000" cy="9144000"/>
@@ -225,7 +226,7 @@
           <a:p>
             <a:fld id="{7F647E4E-26DD-449B-8FE2-2091156B73A5}" type="datetimeFigureOut">
               <a:rPr lang="en-US" smtClean="0"/>
-              <a:t>10/30/2018</a:t>
+              <a:t>12/12/2018</a:t>
             </a:fld>
             <a:endParaRPr lang="en-US"/>
           </a:p>
@@ -594,7 +595,7 @@
           <a:p>
             <a:fld id="{FD830138-9A85-42F6-A6B9-D4A68B31B64B}" type="datetimeFigureOut">
               <a:rPr lang="en-US" smtClean="0"/>
-              <a:t>10/30/2018</a:t>
+              <a:t>12/12/2018</a:t>
             </a:fld>
             <a:endParaRPr lang="en-US"/>
           </a:p>
@@ -989,7 +990,7 @@
           <a:p>
             <a:fld id="{FD830138-9A85-42F6-A6B9-D4A68B31B64B}" type="datetimeFigureOut">
               <a:rPr lang="en-US" smtClean="0"/>
-              <a:t>10/30/2018</a:t>
+              <a:t>12/12/2018</a:t>
             </a:fld>
             <a:endParaRPr lang="en-US"/>
           </a:p>
@@ -1303,7 +1304,7 @@
           <a:p>
             <a:fld id="{FD830138-9A85-42F6-A6B9-D4A68B31B64B}" type="datetimeFigureOut">
               <a:rPr lang="en-US" smtClean="0"/>
-              <a:t>10/30/2018</a:t>
+              <a:t>12/12/2018</a:t>
             </a:fld>
             <a:endParaRPr lang="en-US"/>
           </a:p>
@@ -1659,7 +1660,7 @@
           <a:p>
             <a:fld id="{FD830138-9A85-42F6-A6B9-D4A68B31B64B}" type="datetimeFigureOut">
               <a:rPr lang="en-US" smtClean="0"/>
-              <a:t>10/30/2018</a:t>
+              <a:t>12/12/2018</a:t>
             </a:fld>
             <a:endParaRPr lang="en-US"/>
           </a:p>
@@ -2178,7 +2179,7 @@
           <a:p>
             <a:fld id="{FD830138-9A85-42F6-A6B9-D4A68B31B64B}" type="datetimeFigureOut">
               <a:rPr lang="en-US" smtClean="0"/>
-              <a:t>10/30/2018</a:t>
+              <a:t>12/12/2018</a:t>
             </a:fld>
             <a:endParaRPr lang="en-US"/>
           </a:p>
@@ -2840,7 +2841,7 @@
           <a:p>
             <a:fld id="{FD830138-9A85-42F6-A6B9-D4A68B31B64B}" type="datetimeFigureOut">
               <a:rPr lang="en-US" smtClean="0"/>
-              <a:t>10/30/2018</a:t>
+              <a:t>12/12/2018</a:t>
             </a:fld>
             <a:endParaRPr lang="en-US"/>
           </a:p>
@@ -3734,7 +3735,7 @@
           <a:p>
             <a:fld id="{FD830138-9A85-42F6-A6B9-D4A68B31B64B}" type="datetimeFigureOut">
               <a:rPr lang="en-US" smtClean="0"/>
-              <a:t>10/30/2018</a:t>
+              <a:t>12/12/2018</a:t>
             </a:fld>
             <a:endParaRPr lang="en-US"/>
           </a:p>
@@ -4028,7 +4029,7 @@
           <a:p>
             <a:fld id="{FD830138-9A85-42F6-A6B9-D4A68B31B64B}" type="datetimeFigureOut">
               <a:rPr lang="en-US" smtClean="0"/>
-              <a:t>10/30/2018</a:t>
+              <a:t>12/12/2018</a:t>
             </a:fld>
             <a:endParaRPr lang="en-US"/>
           </a:p>
@@ -4273,7 +4274,7 @@
           <a:p>
             <a:fld id="{FD830138-9A85-42F6-A6B9-D4A68B31B64B}" type="datetimeFigureOut">
               <a:rPr lang="en-US" smtClean="0"/>
-              <a:t>10/30/2018</a:t>
+              <a:t>12/12/2018</a:t>
             </a:fld>
             <a:endParaRPr lang="en-US"/>
           </a:p>
@@ -4549,7 +4550,7 @@
           <a:p>
             <a:fld id="{FD830138-9A85-42F6-A6B9-D4A68B31B64B}" type="datetimeFigureOut">
               <a:rPr lang="en-US" smtClean="0"/>
-              <a:t>10/30/2018</a:t>
+              <a:t>12/12/2018</a:t>
             </a:fld>
             <a:endParaRPr lang="en-US"/>
           </a:p>
@@ -4947,7 +4948,7 @@
           <a:p>
             <a:fld id="{FD830138-9A85-42F6-A6B9-D4A68B31B64B}" type="datetimeFigureOut">
               <a:rPr lang="en-US" smtClean="0"/>
-              <a:t>10/30/2018</a:t>
+              <a:t>12/12/2018</a:t>
             </a:fld>
             <a:endParaRPr lang="en-US"/>
           </a:p>
@@ -5304,7 +5305,7 @@
           <a:p>
             <a:fld id="{FD830138-9A85-42F6-A6B9-D4A68B31B64B}" type="datetimeFigureOut">
               <a:rPr lang="en-US" smtClean="0"/>
-              <a:t>10/30/2018</a:t>
+              <a:t>12/12/2018</a:t>
             </a:fld>
             <a:endParaRPr lang="en-US"/>
           </a:p>
@@ -5791,7 +5792,7 @@
           <a:p>
             <a:fld id="{FD830138-9A85-42F6-A6B9-D4A68B31B64B}" type="datetimeFigureOut">
               <a:rPr lang="en-US" smtClean="0"/>
-              <a:t>10/30/2018</a:t>
+              <a:t>12/12/2018</a:t>
             </a:fld>
             <a:endParaRPr lang="en-US"/>
           </a:p>
@@ -6029,7 +6030,7 @@
           <a:p>
             <a:fld id="{FD830138-9A85-42F6-A6B9-D4A68B31B64B}" type="datetimeFigureOut">
               <a:rPr lang="en-US" smtClean="0"/>
-              <a:t>10/30/2018</a:t>
+              <a:t>12/12/2018</a:t>
             </a:fld>
             <a:endParaRPr lang="en-US"/>
           </a:p>
@@ -6200,7 +6201,7 @@
           <a:p>
             <a:fld id="{FD830138-9A85-42F6-A6B9-D4A68B31B64B}" type="datetimeFigureOut">
               <a:rPr lang="en-US" smtClean="0"/>
-              <a:t>10/30/2018</a:t>
+              <a:t>12/12/2018</a:t>
             </a:fld>
             <a:endParaRPr lang="en-US"/>
           </a:p>
@@ -6571,7 +6572,7 @@
           <a:p>
             <a:fld id="{FD830138-9A85-42F6-A6B9-D4A68B31B64B}" type="datetimeFigureOut">
               <a:rPr lang="en-US" smtClean="0"/>
-              <a:t>10/30/2018</a:t>
+              <a:t>12/12/2018</a:t>
             </a:fld>
             <a:endParaRPr lang="en-US"/>
           </a:p>
@@ -6961,7 +6962,7 @@
           <a:p>
             <a:fld id="{FD830138-9A85-42F6-A6B9-D4A68B31B64B}" type="datetimeFigureOut">
               <a:rPr lang="en-US" smtClean="0"/>
-              <a:t>10/30/2018</a:t>
+              <a:t>12/12/2018</a:t>
             </a:fld>
             <a:endParaRPr lang="en-US"/>
           </a:p>
@@ -7189,7 +7190,7 @@
           <a:p>
             <a:fld id="{FD830138-9A85-42F6-A6B9-D4A68B31B64B}" type="datetimeFigureOut">
               <a:rPr lang="en-US" smtClean="0"/>
-              <a:t>10/30/2018</a:t>
+              <a:t>12/12/2018</a:t>
             </a:fld>
             <a:endParaRPr lang="en-US"/>
           </a:p>
@@ -8259,6 +8260,371 @@
                   <a:srgbClr val="FFFFFF"/>
                 </a:solidFill>
               </a:rPr>
+              <a:t>So, what exactly is React?</a:t>
+            </a:r>
+          </a:p>
+        </p:txBody>
+      </p:sp>
+      <p:sp>
+        <p:nvSpPr>
+          <p:cNvPr id="9" name="Content Placeholder 2">
+            <a:extLst>
+              <a:ext uri="{FF2B5EF4-FFF2-40B4-BE49-F238E27FC236}">
+                <a16:creationId xmlns:a16="http://schemas.microsoft.com/office/drawing/2014/main" id="{3EF54499-DE6F-4C87-B7E8-1D03F4961274}"/>
+              </a:ext>
+            </a:extLst>
+          </p:cNvPr>
+          <p:cNvSpPr>
+            <a:spLocks noGrp="1"/>
+          </p:cNvSpPr>
+          <p:nvPr>
+            <p:ph idx="1"/>
+          </p:nvPr>
+        </p:nvSpPr>
+        <p:spPr>
+          <a:xfrm>
+            <a:off x="319815" y="2336873"/>
+            <a:ext cx="8125998" cy="4302662"/>
+          </a:xfrm>
+        </p:spPr>
+        <p:txBody>
+          <a:bodyPr>
+            <a:normAutofit/>
+          </a:bodyPr>
+          <a:lstStyle/>
+          <a:p>
+            <a:r>
+              <a:rPr lang="en-US" sz="1800" dirty="0"/>
+              <a:t>ReactJS is a view rendering library</a:t>
+            </a:r>
+          </a:p>
+        </p:txBody>
+      </p:sp>
+    </p:spTree>
+    <p:extLst>
+      <p:ext uri="{BB962C8B-B14F-4D97-AF65-F5344CB8AC3E}">
+        <p14:creationId xmlns:p14="http://schemas.microsoft.com/office/powerpoint/2010/main" val="4009188341"/>
+      </p:ext>
+    </p:extLst>
+  </p:cSld>
+  <p:clrMapOvr>
+    <a:masterClrMapping/>
+  </p:clrMapOvr>
+</p:sld>
+</file>
+
+<file path=ppt/slides/slide11.xml><?xml version="1.0" encoding="utf-8"?>
+<p:sld xmlns:a="http://schemas.openxmlformats.org/drawingml/2006/main" xmlns:r="http://schemas.openxmlformats.org/officeDocument/2006/relationships" xmlns:p="http://schemas.openxmlformats.org/presentationml/2006/main">
+  <p:cSld>
+    <p:spTree>
+      <p:nvGrpSpPr>
+        <p:cNvPr id="1" name=""/>
+        <p:cNvGrpSpPr/>
+        <p:nvPr/>
+      </p:nvGrpSpPr>
+      <p:grpSpPr>
+        <a:xfrm>
+          <a:off x="0" y="0"/>
+          <a:ext cx="0" cy="0"/>
+          <a:chOff x="0" y="0"/>
+          <a:chExt cx="0" cy="0"/>
+        </a:xfrm>
+      </p:grpSpPr>
+      <p:sp useBgFill="1">
+        <p:nvSpPr>
+          <p:cNvPr id="8" name="Rectangle 7">
+            <a:extLst>
+              <a:ext uri="{FF2B5EF4-FFF2-40B4-BE49-F238E27FC236}">
+                <a16:creationId xmlns:a16="http://schemas.microsoft.com/office/drawing/2014/main" id="{A106B9FE-7E5A-4047-B5D3-C3C24BD3E80E}"/>
+              </a:ext>
+              <a:ext uri="{C183D7F6-B498-43B3-948B-1728B52AA6E4}">
+                <adec:decorative xmlns:adec="http://schemas.microsoft.com/office/drawing/2017/decorative" val="1"/>
+              </a:ext>
+            </a:extLst>
+          </p:cNvPr>
+          <p:cNvSpPr>
+            <a:spLocks noGrp="1" noRot="1" noChangeAspect="1" noMove="1" noResize="1" noEditPoints="1" noAdjustHandles="1" noChangeArrowheads="1" noChangeShapeType="1" noTextEdit="1"/>
+          </p:cNvSpPr>
+          <p:nvPr>
+            <p:extLst>
+              <p:ext uri="{386F3935-93C4-4BCD-93E2-E3B085C9AB24}">
+                <p16:designElem xmlns:p16="http://schemas.microsoft.com/office/powerpoint/2015/main" val="1"/>
+              </p:ext>
+            </p:extLst>
+          </p:nvPr>
+        </p:nvSpPr>
+        <p:spPr>
+          <a:xfrm>
+            <a:off x="0" y="0"/>
+            <a:ext cx="12188824" cy="6858001"/>
+          </a:xfrm>
+          <a:prstGeom prst="rect">
+            <a:avLst/>
+          </a:prstGeom>
+          <a:ln>
+            <a:noFill/>
+          </a:ln>
+        </p:spPr>
+        <p:style>
+          <a:lnRef idx="2">
+            <a:schemeClr val="accent1">
+              <a:shade val="50000"/>
+            </a:schemeClr>
+          </a:lnRef>
+          <a:fillRef idx="1">
+            <a:schemeClr val="accent1"/>
+          </a:fillRef>
+          <a:effectRef idx="0">
+            <a:schemeClr val="accent1"/>
+          </a:effectRef>
+          <a:fontRef idx="minor">
+            <a:schemeClr val="lt1"/>
+          </a:fontRef>
+        </p:style>
+        <p:txBody>
+          <a:bodyPr rtlCol="0" anchor="ctr"/>
+          <a:lstStyle/>
+          <a:p>
+            <a:pPr algn="ctr"/>
+            <a:endParaRPr lang="en-US"/>
+          </a:p>
+        </p:txBody>
+      </p:sp>
+      <p:sp>
+        <p:nvSpPr>
+          <p:cNvPr id="10" name="Rectangle 9">
+            <a:extLst>
+              <a:ext uri="{FF2B5EF4-FFF2-40B4-BE49-F238E27FC236}">
+                <a16:creationId xmlns:a16="http://schemas.microsoft.com/office/drawing/2014/main" id="{B60EBA20-0A64-45D5-B937-FE93DCA01C7E}"/>
+              </a:ext>
+              <a:ext uri="{C183D7F6-B498-43B3-948B-1728B52AA6E4}">
+                <adec:decorative xmlns:adec="http://schemas.microsoft.com/office/drawing/2017/decorative" val="1"/>
+              </a:ext>
+            </a:extLst>
+          </p:cNvPr>
+          <p:cNvSpPr>
+            <a:spLocks noGrp="1" noRot="1" noChangeAspect="1" noMove="1" noResize="1" noEditPoints="1" noAdjustHandles="1" noChangeArrowheads="1" noChangeShapeType="1" noTextEdit="1"/>
+          </p:cNvSpPr>
+          <p:nvPr>
+            <p:extLst>
+              <p:ext uri="{386F3935-93C4-4BCD-93E2-E3B085C9AB24}">
+                <p16:designElem xmlns:p16="http://schemas.microsoft.com/office/powerpoint/2015/main" val="1"/>
+              </p:ext>
+            </p:extLst>
+          </p:nvPr>
+        </p:nvSpPr>
+        <p:spPr>
+          <a:xfrm>
+            <a:off x="8785632" y="0"/>
+            <a:ext cx="3406368" cy="6858000"/>
+          </a:xfrm>
+          <a:prstGeom prst="rect">
+            <a:avLst/>
+          </a:prstGeom>
+          <a:solidFill>
+            <a:schemeClr val="accent1"/>
+          </a:solidFill>
+          <a:ln>
+            <a:noFill/>
+          </a:ln>
+        </p:spPr>
+        <p:style>
+          <a:lnRef idx="2">
+            <a:schemeClr val="accent1">
+              <a:shade val="50000"/>
+            </a:schemeClr>
+          </a:lnRef>
+          <a:fillRef idx="1">
+            <a:schemeClr val="accent1"/>
+          </a:fillRef>
+          <a:effectRef idx="0">
+            <a:schemeClr val="accent1"/>
+          </a:effectRef>
+          <a:fontRef idx="minor">
+            <a:schemeClr val="lt1"/>
+          </a:fontRef>
+        </p:style>
+      </p:sp>
+      <p:pic>
+        <p:nvPicPr>
+          <p:cNvPr id="12" name="Picture 11">
+            <a:extLst>
+              <a:ext uri="{FF2B5EF4-FFF2-40B4-BE49-F238E27FC236}">
+                <a16:creationId xmlns:a16="http://schemas.microsoft.com/office/drawing/2014/main" id="{3EAD5E5B-543A-4690-8C75-BACF7FFB40ED}"/>
+              </a:ext>
+              <a:ext uri="{C183D7F6-B498-43B3-948B-1728B52AA6E4}">
+                <adec:decorative xmlns:adec="http://schemas.microsoft.com/office/drawing/2017/decorative" val="1"/>
+              </a:ext>
+            </a:extLst>
+          </p:cNvPr>
+          <p:cNvPicPr>
+            <a:picLocks noGrp="1" noRot="1" noChangeAspect="1" noMove="1" noResize="1" noEditPoints="1" noAdjustHandles="1" noChangeArrowheads="1" noChangeShapeType="1" noCrop="1"/>
+          </p:cNvPicPr>
+          <p:nvPr>
+            <p:extLst>
+              <p:ext uri="{386F3935-93C4-4BCD-93E2-E3B085C9AB24}">
+                <p16:designElem xmlns:p16="http://schemas.microsoft.com/office/powerpoint/2015/main" val="1"/>
+              </p:ext>
+            </p:extLst>
+          </p:nvPr>
+        </p:nvPicPr>
+        <p:blipFill>
+          <a:blip r:embed="rId2">
+            <a:alphaModFix amt="10000"/>
+            <a:extLst>
+              <a:ext uri="{28A0092B-C50C-407E-A947-70E740481C1C}">
+                <a14:useLocalDpi xmlns:a14="http://schemas.microsoft.com/office/drawing/2010/main" val="0"/>
+              </a:ext>
+            </a:extLst>
+          </a:blip>
+          <a:stretch>
+            <a:fillRect/>
+          </a:stretch>
+        </p:blipFill>
+        <p:spPr>
+          <a:xfrm>
+            <a:off x="-3176" y="0"/>
+            <a:ext cx="12192000" cy="6858000"/>
+          </a:xfrm>
+          <a:prstGeom prst="rect">
+            <a:avLst/>
+          </a:prstGeom>
+        </p:spPr>
+      </p:pic>
+      <p:pic>
+        <p:nvPicPr>
+          <p:cNvPr id="14" name="Picture 13">
+            <a:extLst>
+              <a:ext uri="{FF2B5EF4-FFF2-40B4-BE49-F238E27FC236}">
+                <a16:creationId xmlns:a16="http://schemas.microsoft.com/office/drawing/2014/main" id="{98739700-980C-4F96-84CD-97157DFE86AE}"/>
+              </a:ext>
+              <a:ext uri="{C183D7F6-B498-43B3-948B-1728B52AA6E4}">
+                <adec:decorative xmlns:adec="http://schemas.microsoft.com/office/drawing/2017/decorative" val="1"/>
+              </a:ext>
+            </a:extLst>
+          </p:cNvPr>
+          <p:cNvPicPr>
+            <a:picLocks noGrp="1" noRot="1" noChangeAspect="1" noMove="1" noResize="1" noEditPoints="1" noAdjustHandles="1" noChangeArrowheads="1" noChangeShapeType="1" noCrop="1"/>
+          </p:cNvPicPr>
+          <p:nvPr>
+            <p:extLst>
+              <p:ext uri="{386F3935-93C4-4BCD-93E2-E3B085C9AB24}">
+                <p16:designElem xmlns:p16="http://schemas.microsoft.com/office/powerpoint/2015/main" val="1"/>
+              </p:ext>
+            </p:extLst>
+          </p:nvPr>
+        </p:nvPicPr>
+        <p:blipFill>
+          <a:blip r:embed="rId3">
+            <a:extLst>
+              <a:ext uri="{28A0092B-C50C-407E-A947-70E740481C1C}">
+                <a14:useLocalDpi xmlns:a14="http://schemas.microsoft.com/office/drawing/2010/main" val="0"/>
+              </a:ext>
+            </a:extLst>
+          </a:blip>
+          <a:stretch>
+            <a:fillRect/>
+          </a:stretch>
+        </p:blipFill>
+        <p:spPr>
+          <a:xfrm>
+            <a:off x="2" y="1959089"/>
+            <a:ext cx="9107362" cy="321164"/>
+          </a:xfrm>
+          <a:prstGeom prst="rect">
+            <a:avLst/>
+          </a:prstGeom>
+        </p:spPr>
+      </p:pic>
+      <p:sp>
+        <p:nvSpPr>
+          <p:cNvPr id="16" name="Rectangle 15">
+            <a:extLst>
+              <a:ext uri="{FF2B5EF4-FFF2-40B4-BE49-F238E27FC236}">
+                <a16:creationId xmlns:a16="http://schemas.microsoft.com/office/drawing/2014/main" id="{52A2FDCB-3B06-44F3-A0AA-2C056C3E512F}"/>
+              </a:ext>
+              <a:ext uri="{C183D7F6-B498-43B3-948B-1728B52AA6E4}">
+                <adec:decorative xmlns:adec="http://schemas.microsoft.com/office/drawing/2017/decorative" val="1"/>
+              </a:ext>
+            </a:extLst>
+          </p:cNvPr>
+          <p:cNvSpPr>
+            <a:spLocks noGrp="1" noRot="1" noChangeAspect="1" noMove="1" noResize="1" noEditPoints="1" noAdjustHandles="1" noChangeArrowheads="1" noChangeShapeType="1" noTextEdit="1"/>
+          </p:cNvSpPr>
+          <p:nvPr>
+            <p:extLst>
+              <p:ext uri="{386F3935-93C4-4BCD-93E2-E3B085C9AB24}">
+                <p16:designElem xmlns:p16="http://schemas.microsoft.com/office/powerpoint/2015/main" val="1"/>
+              </p:ext>
+            </p:extLst>
+          </p:nvPr>
+        </p:nvSpPr>
+        <p:spPr bwMode="grayWhite">
+          <a:xfrm>
+            <a:off x="1" y="609600"/>
+            <a:ext cx="9107363" cy="1368198"/>
+          </a:xfrm>
+          <a:prstGeom prst="rect">
+            <a:avLst/>
+          </a:prstGeom>
+          <a:solidFill>
+            <a:srgbClr val="262626"/>
+          </a:solidFill>
+          <a:ln>
+            <a:noFill/>
+          </a:ln>
+        </p:spPr>
+        <p:style>
+          <a:lnRef idx="2">
+            <a:schemeClr val="accent1">
+              <a:shade val="50000"/>
+            </a:schemeClr>
+          </a:lnRef>
+          <a:fillRef idx="1">
+            <a:schemeClr val="accent1"/>
+          </a:fillRef>
+          <a:effectRef idx="0">
+            <a:schemeClr val="accent1"/>
+          </a:effectRef>
+          <a:fontRef idx="minor">
+            <a:schemeClr val="lt1"/>
+          </a:fontRef>
+        </p:style>
+      </p:sp>
+      <p:sp>
+        <p:nvSpPr>
+          <p:cNvPr id="2" name="Title 1">
+            <a:extLst>
+              <a:ext uri="{FF2B5EF4-FFF2-40B4-BE49-F238E27FC236}">
+                <a16:creationId xmlns:a16="http://schemas.microsoft.com/office/drawing/2014/main" id="{5EA67E39-20F3-48C4-BA92-853DD2B889A7}"/>
+              </a:ext>
+            </a:extLst>
+          </p:cNvPr>
+          <p:cNvSpPr>
+            <a:spLocks noGrp="1"/>
+          </p:cNvSpPr>
+          <p:nvPr>
+            <p:ph type="title"/>
+          </p:nvPr>
+        </p:nvSpPr>
+        <p:spPr>
+          <a:xfrm>
+            <a:off x="680321" y="753228"/>
+            <a:ext cx="7461844" cy="1080938"/>
+          </a:xfrm>
+        </p:spPr>
+        <p:txBody>
+          <a:bodyPr>
+            <a:normAutofit/>
+          </a:bodyPr>
+          <a:lstStyle/>
+          <a:p>
+            <a:r>
+              <a:rPr lang="en-US" dirty="0">
+                <a:solidFill>
+                  <a:srgbClr val="FFFFFF"/>
+                </a:solidFill>
+              </a:rPr>
               <a:t>React 101</a:t>
             </a:r>
           </a:p>
@@ -8400,7 +8766,7 @@
 </p:sld>
 </file>
 
-<file path=ppt/slides/slide11.xml><?xml version="1.0" encoding="utf-8"?>
+<file path=ppt/slides/slide12.xml><?xml version="1.0" encoding="utf-8"?>
 <p:sld xmlns:a="http://schemas.openxmlformats.org/drawingml/2006/main" xmlns:r="http://schemas.openxmlformats.org/officeDocument/2006/relationships" xmlns:p="http://schemas.openxmlformats.org/presentationml/2006/main">
   <p:cSld>
     <p:spTree>
@@ -8777,7 +9143,7 @@
             </a:pPr>
             <a:r>
               <a:rPr lang="en-US" dirty="0"/>
-              <a:t>Enough idle chit-chat, </a:t>
+              <a:t>Enough idle chit-chat; </a:t>
             </a:r>
           </a:p>
           <a:p>
@@ -8830,429 +9196,6 @@
     <p:extLst>
       <p:ext uri="{BB962C8B-B14F-4D97-AF65-F5344CB8AC3E}">
         <p14:creationId xmlns:p14="http://schemas.microsoft.com/office/powerpoint/2010/main" val="3788323801"/>
-      </p:ext>
-    </p:extLst>
-  </p:cSld>
-  <p:clrMapOvr>
-    <a:masterClrMapping/>
-  </p:clrMapOvr>
-</p:sld>
-</file>
-
-<file path=ppt/slides/slide12.xml><?xml version="1.0" encoding="utf-8"?>
-<p:sld xmlns:a="http://schemas.openxmlformats.org/drawingml/2006/main" xmlns:r="http://schemas.openxmlformats.org/officeDocument/2006/relationships" xmlns:p="http://schemas.openxmlformats.org/presentationml/2006/main">
-  <p:cSld>
-    <p:spTree>
-      <p:nvGrpSpPr>
-        <p:cNvPr id="1" name=""/>
-        <p:cNvGrpSpPr/>
-        <p:nvPr/>
-      </p:nvGrpSpPr>
-      <p:grpSpPr>
-        <a:xfrm>
-          <a:off x="0" y="0"/>
-          <a:ext cx="0" cy="0"/>
-          <a:chOff x="0" y="0"/>
-          <a:chExt cx="0" cy="0"/>
-        </a:xfrm>
-      </p:grpSpPr>
-      <p:sp useBgFill="1">
-        <p:nvSpPr>
-          <p:cNvPr id="8" name="Rectangle 7">
-            <a:extLst>
-              <a:ext uri="{FF2B5EF4-FFF2-40B4-BE49-F238E27FC236}">
-                <a16:creationId xmlns:a16="http://schemas.microsoft.com/office/drawing/2014/main" id="{A106B9FE-7E5A-4047-B5D3-C3C24BD3E80E}"/>
-              </a:ext>
-              <a:ext uri="{C183D7F6-B498-43B3-948B-1728B52AA6E4}">
-                <adec:decorative xmlns:adec="http://schemas.microsoft.com/office/drawing/2017/decorative" val="1"/>
-              </a:ext>
-            </a:extLst>
-          </p:cNvPr>
-          <p:cNvSpPr>
-            <a:spLocks noGrp="1" noRot="1" noChangeAspect="1" noMove="1" noResize="1" noEditPoints="1" noAdjustHandles="1" noChangeArrowheads="1" noChangeShapeType="1" noTextEdit="1"/>
-          </p:cNvSpPr>
-          <p:nvPr>
-            <p:extLst>
-              <p:ext uri="{386F3935-93C4-4BCD-93E2-E3B085C9AB24}">
-                <p16:designElem xmlns:p16="http://schemas.microsoft.com/office/powerpoint/2015/main" val="1"/>
-              </p:ext>
-            </p:extLst>
-          </p:nvPr>
-        </p:nvSpPr>
-        <p:spPr>
-          <a:xfrm>
-            <a:off x="0" y="0"/>
-            <a:ext cx="12188824" cy="6858001"/>
-          </a:xfrm>
-          <a:prstGeom prst="rect">
-            <a:avLst/>
-          </a:prstGeom>
-          <a:ln>
-            <a:noFill/>
-          </a:ln>
-        </p:spPr>
-        <p:style>
-          <a:lnRef idx="2">
-            <a:schemeClr val="accent1">
-              <a:shade val="50000"/>
-            </a:schemeClr>
-          </a:lnRef>
-          <a:fillRef idx="1">
-            <a:schemeClr val="accent1"/>
-          </a:fillRef>
-          <a:effectRef idx="0">
-            <a:schemeClr val="accent1"/>
-          </a:effectRef>
-          <a:fontRef idx="minor">
-            <a:schemeClr val="lt1"/>
-          </a:fontRef>
-        </p:style>
-        <p:txBody>
-          <a:bodyPr rtlCol="0" anchor="ctr"/>
-          <a:lstStyle/>
-          <a:p>
-            <a:pPr algn="ctr"/>
-            <a:endParaRPr lang="en-US"/>
-          </a:p>
-        </p:txBody>
-      </p:sp>
-      <p:sp>
-        <p:nvSpPr>
-          <p:cNvPr id="10" name="Rectangle 9">
-            <a:extLst>
-              <a:ext uri="{FF2B5EF4-FFF2-40B4-BE49-F238E27FC236}">
-                <a16:creationId xmlns:a16="http://schemas.microsoft.com/office/drawing/2014/main" id="{B60EBA20-0A64-45D5-B937-FE93DCA01C7E}"/>
-              </a:ext>
-              <a:ext uri="{C183D7F6-B498-43B3-948B-1728B52AA6E4}">
-                <adec:decorative xmlns:adec="http://schemas.microsoft.com/office/drawing/2017/decorative" val="1"/>
-              </a:ext>
-            </a:extLst>
-          </p:cNvPr>
-          <p:cNvSpPr>
-            <a:spLocks noGrp="1" noRot="1" noChangeAspect="1" noMove="1" noResize="1" noEditPoints="1" noAdjustHandles="1" noChangeArrowheads="1" noChangeShapeType="1" noTextEdit="1"/>
-          </p:cNvSpPr>
-          <p:nvPr>
-            <p:extLst>
-              <p:ext uri="{386F3935-93C4-4BCD-93E2-E3B085C9AB24}">
-                <p16:designElem xmlns:p16="http://schemas.microsoft.com/office/powerpoint/2015/main" val="1"/>
-              </p:ext>
-            </p:extLst>
-          </p:nvPr>
-        </p:nvSpPr>
-        <p:spPr>
-          <a:xfrm>
-            <a:off x="8785632" y="0"/>
-            <a:ext cx="3406368" cy="6858000"/>
-          </a:xfrm>
-          <a:prstGeom prst="rect">
-            <a:avLst/>
-          </a:prstGeom>
-          <a:solidFill>
-            <a:schemeClr val="accent1"/>
-          </a:solidFill>
-          <a:ln>
-            <a:noFill/>
-          </a:ln>
-        </p:spPr>
-        <p:style>
-          <a:lnRef idx="2">
-            <a:schemeClr val="accent1">
-              <a:shade val="50000"/>
-            </a:schemeClr>
-          </a:lnRef>
-          <a:fillRef idx="1">
-            <a:schemeClr val="accent1"/>
-          </a:fillRef>
-          <a:effectRef idx="0">
-            <a:schemeClr val="accent1"/>
-          </a:effectRef>
-          <a:fontRef idx="minor">
-            <a:schemeClr val="lt1"/>
-          </a:fontRef>
-        </p:style>
-      </p:sp>
-      <p:pic>
-        <p:nvPicPr>
-          <p:cNvPr id="12" name="Picture 11">
-            <a:extLst>
-              <a:ext uri="{FF2B5EF4-FFF2-40B4-BE49-F238E27FC236}">
-                <a16:creationId xmlns:a16="http://schemas.microsoft.com/office/drawing/2014/main" id="{3EAD5E5B-543A-4690-8C75-BACF7FFB40ED}"/>
-              </a:ext>
-              <a:ext uri="{C183D7F6-B498-43B3-948B-1728B52AA6E4}">
-                <adec:decorative xmlns:adec="http://schemas.microsoft.com/office/drawing/2017/decorative" val="1"/>
-              </a:ext>
-            </a:extLst>
-          </p:cNvPr>
-          <p:cNvPicPr>
-            <a:picLocks noGrp="1" noRot="1" noChangeAspect="1" noMove="1" noResize="1" noEditPoints="1" noAdjustHandles="1" noChangeArrowheads="1" noChangeShapeType="1" noCrop="1"/>
-          </p:cNvPicPr>
-          <p:nvPr>
-            <p:extLst>
-              <p:ext uri="{386F3935-93C4-4BCD-93E2-E3B085C9AB24}">
-                <p16:designElem xmlns:p16="http://schemas.microsoft.com/office/powerpoint/2015/main" val="1"/>
-              </p:ext>
-            </p:extLst>
-          </p:nvPr>
-        </p:nvPicPr>
-        <p:blipFill>
-          <a:blip r:embed="rId2">
-            <a:alphaModFix amt="10000"/>
-            <a:extLst>
-              <a:ext uri="{28A0092B-C50C-407E-A947-70E740481C1C}">
-                <a14:useLocalDpi xmlns:a14="http://schemas.microsoft.com/office/drawing/2010/main" val="0"/>
-              </a:ext>
-            </a:extLst>
-          </a:blip>
-          <a:stretch>
-            <a:fillRect/>
-          </a:stretch>
-        </p:blipFill>
-        <p:spPr>
-          <a:xfrm>
-            <a:off x="-3176" y="0"/>
-            <a:ext cx="12192000" cy="6858000"/>
-          </a:xfrm>
-          <a:prstGeom prst="rect">
-            <a:avLst/>
-          </a:prstGeom>
-        </p:spPr>
-      </p:pic>
-      <p:pic>
-        <p:nvPicPr>
-          <p:cNvPr id="14" name="Picture 13">
-            <a:extLst>
-              <a:ext uri="{FF2B5EF4-FFF2-40B4-BE49-F238E27FC236}">
-                <a16:creationId xmlns:a16="http://schemas.microsoft.com/office/drawing/2014/main" id="{98739700-980C-4F96-84CD-97157DFE86AE}"/>
-              </a:ext>
-              <a:ext uri="{C183D7F6-B498-43B3-948B-1728B52AA6E4}">
-                <adec:decorative xmlns:adec="http://schemas.microsoft.com/office/drawing/2017/decorative" val="1"/>
-              </a:ext>
-            </a:extLst>
-          </p:cNvPr>
-          <p:cNvPicPr>
-            <a:picLocks noGrp="1" noRot="1" noChangeAspect="1" noMove="1" noResize="1" noEditPoints="1" noAdjustHandles="1" noChangeArrowheads="1" noChangeShapeType="1" noCrop="1"/>
-          </p:cNvPicPr>
-          <p:nvPr>
-            <p:extLst>
-              <p:ext uri="{386F3935-93C4-4BCD-93E2-E3B085C9AB24}">
-                <p16:designElem xmlns:p16="http://schemas.microsoft.com/office/powerpoint/2015/main" val="1"/>
-              </p:ext>
-            </p:extLst>
-          </p:nvPr>
-        </p:nvPicPr>
-        <p:blipFill>
-          <a:blip r:embed="rId3">
-            <a:extLst>
-              <a:ext uri="{28A0092B-C50C-407E-A947-70E740481C1C}">
-                <a14:useLocalDpi xmlns:a14="http://schemas.microsoft.com/office/drawing/2010/main" val="0"/>
-              </a:ext>
-            </a:extLst>
-          </a:blip>
-          <a:stretch>
-            <a:fillRect/>
-          </a:stretch>
-        </p:blipFill>
-        <p:spPr>
-          <a:xfrm>
-            <a:off x="2" y="1959089"/>
-            <a:ext cx="9107362" cy="321164"/>
-          </a:xfrm>
-          <a:prstGeom prst="rect">
-            <a:avLst/>
-          </a:prstGeom>
-        </p:spPr>
-      </p:pic>
-      <p:sp>
-        <p:nvSpPr>
-          <p:cNvPr id="16" name="Rectangle 15">
-            <a:extLst>
-              <a:ext uri="{FF2B5EF4-FFF2-40B4-BE49-F238E27FC236}">
-                <a16:creationId xmlns:a16="http://schemas.microsoft.com/office/drawing/2014/main" id="{52A2FDCB-3B06-44F3-A0AA-2C056C3E512F}"/>
-              </a:ext>
-              <a:ext uri="{C183D7F6-B498-43B3-948B-1728B52AA6E4}">
-                <adec:decorative xmlns:adec="http://schemas.microsoft.com/office/drawing/2017/decorative" val="1"/>
-              </a:ext>
-            </a:extLst>
-          </p:cNvPr>
-          <p:cNvSpPr>
-            <a:spLocks noGrp="1" noRot="1" noChangeAspect="1" noMove="1" noResize="1" noEditPoints="1" noAdjustHandles="1" noChangeArrowheads="1" noChangeShapeType="1" noTextEdit="1"/>
-          </p:cNvSpPr>
-          <p:nvPr>
-            <p:extLst>
-              <p:ext uri="{386F3935-93C4-4BCD-93E2-E3B085C9AB24}">
-                <p16:designElem xmlns:p16="http://schemas.microsoft.com/office/powerpoint/2015/main" val="1"/>
-              </p:ext>
-            </p:extLst>
-          </p:nvPr>
-        </p:nvSpPr>
-        <p:spPr bwMode="grayWhite">
-          <a:xfrm>
-            <a:off x="1" y="609600"/>
-            <a:ext cx="9107363" cy="1368198"/>
-          </a:xfrm>
-          <a:prstGeom prst="rect">
-            <a:avLst/>
-          </a:prstGeom>
-          <a:solidFill>
-            <a:srgbClr val="262626"/>
-          </a:solidFill>
-          <a:ln>
-            <a:noFill/>
-          </a:ln>
-        </p:spPr>
-        <p:style>
-          <a:lnRef idx="2">
-            <a:schemeClr val="accent1">
-              <a:shade val="50000"/>
-            </a:schemeClr>
-          </a:lnRef>
-          <a:fillRef idx="1">
-            <a:schemeClr val="accent1"/>
-          </a:fillRef>
-          <a:effectRef idx="0">
-            <a:schemeClr val="accent1"/>
-          </a:effectRef>
-          <a:fontRef idx="minor">
-            <a:schemeClr val="lt1"/>
-          </a:fontRef>
-        </p:style>
-      </p:sp>
-      <p:sp>
-        <p:nvSpPr>
-          <p:cNvPr id="2" name="Title 1">
-            <a:extLst>
-              <a:ext uri="{FF2B5EF4-FFF2-40B4-BE49-F238E27FC236}">
-                <a16:creationId xmlns:a16="http://schemas.microsoft.com/office/drawing/2014/main" id="{5EA67E39-20F3-48C4-BA92-853DD2B889A7}"/>
-              </a:ext>
-            </a:extLst>
-          </p:cNvPr>
-          <p:cNvSpPr>
-            <a:spLocks noGrp="1"/>
-          </p:cNvSpPr>
-          <p:nvPr>
-            <p:ph type="title"/>
-          </p:nvPr>
-        </p:nvSpPr>
-        <p:spPr>
-          <a:xfrm>
-            <a:off x="680321" y="753228"/>
-            <a:ext cx="7461844" cy="1080938"/>
-          </a:xfrm>
-        </p:spPr>
-        <p:txBody>
-          <a:bodyPr>
-            <a:normAutofit/>
-          </a:bodyPr>
-          <a:lstStyle/>
-          <a:p>
-            <a:r>
-              <a:rPr lang="en-US" dirty="0">
-                <a:solidFill>
-                  <a:srgbClr val="FFFFFF"/>
-                </a:solidFill>
-              </a:rPr>
-              <a:t>Show me the data!</a:t>
-            </a:r>
-          </a:p>
-        </p:txBody>
-      </p:sp>
-      <p:sp>
-        <p:nvSpPr>
-          <p:cNvPr id="9" name="Content Placeholder 2">
-            <a:extLst>
-              <a:ext uri="{FF2B5EF4-FFF2-40B4-BE49-F238E27FC236}">
-                <a16:creationId xmlns:a16="http://schemas.microsoft.com/office/drawing/2014/main" id="{3EF54499-DE6F-4C87-B7E8-1D03F4961274}"/>
-              </a:ext>
-            </a:extLst>
-          </p:cNvPr>
-          <p:cNvSpPr>
-            <a:spLocks noGrp="1"/>
-          </p:cNvSpPr>
-          <p:nvPr>
-            <p:ph idx="1"/>
-          </p:nvPr>
-        </p:nvSpPr>
-        <p:spPr>
-          <a:xfrm>
-            <a:off x="319815" y="2738696"/>
-            <a:ext cx="8125998" cy="2774731"/>
-          </a:xfrm>
-        </p:spPr>
-        <p:txBody>
-          <a:bodyPr>
-            <a:normAutofit/>
-          </a:bodyPr>
-          <a:lstStyle/>
-          <a:p>
-            <a:r>
-              <a:rPr lang="en-US" sz="1800" dirty="0" err="1"/>
-              <a:t>GraphQL</a:t>
-            </a:r>
-            <a:r>
-              <a:rPr lang="en-US" sz="1800" dirty="0"/>
-              <a:t> API to serve the data (deep dive is outside the scope of this talk)</a:t>
-            </a:r>
-          </a:p>
-          <a:p>
-            <a:r>
-              <a:rPr lang="en-US" sz="1800" dirty="0"/>
-              <a:t>Data Model:</a:t>
-            </a:r>
-          </a:p>
-          <a:p>
-            <a:pPr lvl="1"/>
-            <a:r>
-              <a:rPr lang="en-US" sz="1400" dirty="0"/>
-              <a:t>Driver: represents a person</a:t>
-            </a:r>
-          </a:p>
-          <a:p>
-            <a:pPr lvl="2"/>
-            <a:r>
-              <a:rPr lang="en-US" sz="1200" dirty="0"/>
-              <a:t>Name and email fields (both strings)</a:t>
-            </a:r>
-          </a:p>
-          <a:p>
-            <a:pPr lvl="2"/>
-            <a:r>
-              <a:rPr lang="en-US" sz="1200" dirty="0"/>
-              <a:t>Driver has a 1:n relationship with Vehicle</a:t>
-            </a:r>
-          </a:p>
-          <a:p>
-            <a:pPr lvl="1"/>
-            <a:r>
-              <a:rPr lang="en-US" sz="1400" dirty="0"/>
-              <a:t>Vehicle: represents a car</a:t>
-            </a:r>
-          </a:p>
-          <a:p>
-            <a:pPr lvl="2"/>
-            <a:r>
-              <a:rPr lang="en-US" sz="1200" dirty="0"/>
-              <a:t>Vin, year, make, model</a:t>
-            </a:r>
-          </a:p>
-          <a:p>
-            <a:pPr lvl="2"/>
-            <a:r>
-              <a:rPr lang="en-US" sz="1200" dirty="0"/>
-              <a:t>Vehicle has a n:1 relationship with Driver</a:t>
-            </a:r>
-          </a:p>
-          <a:p>
-            <a:pPr marL="914400" lvl="2" indent="0">
-              <a:buNone/>
-            </a:pPr>
-            <a:endParaRPr lang="en-US" sz="1200" dirty="0"/>
-          </a:p>
-        </p:txBody>
-      </p:sp>
-    </p:spTree>
-    <p:extLst>
-      <p:ext uri="{BB962C8B-B14F-4D97-AF65-F5344CB8AC3E}">
-        <p14:creationId xmlns:p14="http://schemas.microsoft.com/office/powerpoint/2010/main" val="3615402815"/>
       </p:ext>
     </p:extLst>
   </p:cSld>
@@ -9574,6 +9517,429 @@
                   <a:srgbClr val="FFFFFF"/>
                 </a:solidFill>
               </a:rPr>
+              <a:t>Show me the data!</a:t>
+            </a:r>
+          </a:p>
+        </p:txBody>
+      </p:sp>
+      <p:sp>
+        <p:nvSpPr>
+          <p:cNvPr id="9" name="Content Placeholder 2">
+            <a:extLst>
+              <a:ext uri="{FF2B5EF4-FFF2-40B4-BE49-F238E27FC236}">
+                <a16:creationId xmlns:a16="http://schemas.microsoft.com/office/drawing/2014/main" id="{3EF54499-DE6F-4C87-B7E8-1D03F4961274}"/>
+              </a:ext>
+            </a:extLst>
+          </p:cNvPr>
+          <p:cNvSpPr>
+            <a:spLocks noGrp="1"/>
+          </p:cNvSpPr>
+          <p:nvPr>
+            <p:ph idx="1"/>
+          </p:nvPr>
+        </p:nvSpPr>
+        <p:spPr>
+          <a:xfrm>
+            <a:off x="319815" y="2738696"/>
+            <a:ext cx="8125998" cy="2774731"/>
+          </a:xfrm>
+        </p:spPr>
+        <p:txBody>
+          <a:bodyPr>
+            <a:normAutofit/>
+          </a:bodyPr>
+          <a:lstStyle/>
+          <a:p>
+            <a:r>
+              <a:rPr lang="en-US" sz="1800" dirty="0" err="1"/>
+              <a:t>GraphQL</a:t>
+            </a:r>
+            <a:r>
+              <a:rPr lang="en-US" sz="1800" dirty="0"/>
+              <a:t> API to serve the data (deep dive is outside the scope of this talk)</a:t>
+            </a:r>
+          </a:p>
+          <a:p>
+            <a:r>
+              <a:rPr lang="en-US" sz="1800" dirty="0"/>
+              <a:t>Data Model:</a:t>
+            </a:r>
+          </a:p>
+          <a:p>
+            <a:pPr lvl="1"/>
+            <a:r>
+              <a:rPr lang="en-US" sz="1400" dirty="0"/>
+              <a:t>Driver: represents a person</a:t>
+            </a:r>
+          </a:p>
+          <a:p>
+            <a:pPr lvl="2"/>
+            <a:r>
+              <a:rPr lang="en-US" sz="1200" dirty="0"/>
+              <a:t>Name and email fields (both strings)</a:t>
+            </a:r>
+          </a:p>
+          <a:p>
+            <a:pPr lvl="2"/>
+            <a:r>
+              <a:rPr lang="en-US" sz="1200" dirty="0"/>
+              <a:t>Driver has a 1:n relationship with Vehicle</a:t>
+            </a:r>
+          </a:p>
+          <a:p>
+            <a:pPr lvl="1"/>
+            <a:r>
+              <a:rPr lang="en-US" sz="1400" dirty="0"/>
+              <a:t>Vehicle: represents a car</a:t>
+            </a:r>
+          </a:p>
+          <a:p>
+            <a:pPr lvl="2"/>
+            <a:r>
+              <a:rPr lang="en-US" sz="1200" dirty="0"/>
+              <a:t>Vin, year, make, model</a:t>
+            </a:r>
+          </a:p>
+          <a:p>
+            <a:pPr lvl="2"/>
+            <a:r>
+              <a:rPr lang="en-US" sz="1200" dirty="0"/>
+              <a:t>Vehicle has a n:1 relationship with Driver</a:t>
+            </a:r>
+          </a:p>
+          <a:p>
+            <a:pPr marL="914400" lvl="2" indent="0">
+              <a:buNone/>
+            </a:pPr>
+            <a:endParaRPr lang="en-US" sz="1200" dirty="0"/>
+          </a:p>
+        </p:txBody>
+      </p:sp>
+    </p:spTree>
+    <p:extLst>
+      <p:ext uri="{BB962C8B-B14F-4D97-AF65-F5344CB8AC3E}">
+        <p14:creationId xmlns:p14="http://schemas.microsoft.com/office/powerpoint/2010/main" val="3615402815"/>
+      </p:ext>
+    </p:extLst>
+  </p:cSld>
+  <p:clrMapOvr>
+    <a:masterClrMapping/>
+  </p:clrMapOvr>
+</p:sld>
+</file>
+
+<file path=ppt/slides/slide14.xml><?xml version="1.0" encoding="utf-8"?>
+<p:sld xmlns:a="http://schemas.openxmlformats.org/drawingml/2006/main" xmlns:r="http://schemas.openxmlformats.org/officeDocument/2006/relationships" xmlns:p="http://schemas.openxmlformats.org/presentationml/2006/main">
+  <p:cSld>
+    <p:spTree>
+      <p:nvGrpSpPr>
+        <p:cNvPr id="1" name=""/>
+        <p:cNvGrpSpPr/>
+        <p:nvPr/>
+      </p:nvGrpSpPr>
+      <p:grpSpPr>
+        <a:xfrm>
+          <a:off x="0" y="0"/>
+          <a:ext cx="0" cy="0"/>
+          <a:chOff x="0" y="0"/>
+          <a:chExt cx="0" cy="0"/>
+        </a:xfrm>
+      </p:grpSpPr>
+      <p:sp useBgFill="1">
+        <p:nvSpPr>
+          <p:cNvPr id="8" name="Rectangle 7">
+            <a:extLst>
+              <a:ext uri="{FF2B5EF4-FFF2-40B4-BE49-F238E27FC236}">
+                <a16:creationId xmlns:a16="http://schemas.microsoft.com/office/drawing/2014/main" id="{A106B9FE-7E5A-4047-B5D3-C3C24BD3E80E}"/>
+              </a:ext>
+              <a:ext uri="{C183D7F6-B498-43B3-948B-1728B52AA6E4}">
+                <adec:decorative xmlns:adec="http://schemas.microsoft.com/office/drawing/2017/decorative" val="1"/>
+              </a:ext>
+            </a:extLst>
+          </p:cNvPr>
+          <p:cNvSpPr>
+            <a:spLocks noGrp="1" noRot="1" noChangeAspect="1" noMove="1" noResize="1" noEditPoints="1" noAdjustHandles="1" noChangeArrowheads="1" noChangeShapeType="1" noTextEdit="1"/>
+          </p:cNvSpPr>
+          <p:nvPr>
+            <p:extLst>
+              <p:ext uri="{386F3935-93C4-4BCD-93E2-E3B085C9AB24}">
+                <p16:designElem xmlns:p16="http://schemas.microsoft.com/office/powerpoint/2015/main" val="1"/>
+              </p:ext>
+            </p:extLst>
+          </p:nvPr>
+        </p:nvSpPr>
+        <p:spPr>
+          <a:xfrm>
+            <a:off x="0" y="0"/>
+            <a:ext cx="12188824" cy="6858001"/>
+          </a:xfrm>
+          <a:prstGeom prst="rect">
+            <a:avLst/>
+          </a:prstGeom>
+          <a:ln>
+            <a:noFill/>
+          </a:ln>
+        </p:spPr>
+        <p:style>
+          <a:lnRef idx="2">
+            <a:schemeClr val="accent1">
+              <a:shade val="50000"/>
+            </a:schemeClr>
+          </a:lnRef>
+          <a:fillRef idx="1">
+            <a:schemeClr val="accent1"/>
+          </a:fillRef>
+          <a:effectRef idx="0">
+            <a:schemeClr val="accent1"/>
+          </a:effectRef>
+          <a:fontRef idx="minor">
+            <a:schemeClr val="lt1"/>
+          </a:fontRef>
+        </p:style>
+        <p:txBody>
+          <a:bodyPr rtlCol="0" anchor="ctr"/>
+          <a:lstStyle/>
+          <a:p>
+            <a:pPr algn="ctr"/>
+            <a:endParaRPr lang="en-US"/>
+          </a:p>
+        </p:txBody>
+      </p:sp>
+      <p:sp>
+        <p:nvSpPr>
+          <p:cNvPr id="10" name="Rectangle 9">
+            <a:extLst>
+              <a:ext uri="{FF2B5EF4-FFF2-40B4-BE49-F238E27FC236}">
+                <a16:creationId xmlns:a16="http://schemas.microsoft.com/office/drawing/2014/main" id="{B60EBA20-0A64-45D5-B937-FE93DCA01C7E}"/>
+              </a:ext>
+              <a:ext uri="{C183D7F6-B498-43B3-948B-1728B52AA6E4}">
+                <adec:decorative xmlns:adec="http://schemas.microsoft.com/office/drawing/2017/decorative" val="1"/>
+              </a:ext>
+            </a:extLst>
+          </p:cNvPr>
+          <p:cNvSpPr>
+            <a:spLocks noGrp="1" noRot="1" noChangeAspect="1" noMove="1" noResize="1" noEditPoints="1" noAdjustHandles="1" noChangeArrowheads="1" noChangeShapeType="1" noTextEdit="1"/>
+          </p:cNvSpPr>
+          <p:nvPr>
+            <p:extLst>
+              <p:ext uri="{386F3935-93C4-4BCD-93E2-E3B085C9AB24}">
+                <p16:designElem xmlns:p16="http://schemas.microsoft.com/office/powerpoint/2015/main" val="1"/>
+              </p:ext>
+            </p:extLst>
+          </p:nvPr>
+        </p:nvSpPr>
+        <p:spPr>
+          <a:xfrm>
+            <a:off x="8785632" y="0"/>
+            <a:ext cx="3406368" cy="6858000"/>
+          </a:xfrm>
+          <a:prstGeom prst="rect">
+            <a:avLst/>
+          </a:prstGeom>
+          <a:solidFill>
+            <a:schemeClr val="accent1"/>
+          </a:solidFill>
+          <a:ln>
+            <a:noFill/>
+          </a:ln>
+        </p:spPr>
+        <p:style>
+          <a:lnRef idx="2">
+            <a:schemeClr val="accent1">
+              <a:shade val="50000"/>
+            </a:schemeClr>
+          </a:lnRef>
+          <a:fillRef idx="1">
+            <a:schemeClr val="accent1"/>
+          </a:fillRef>
+          <a:effectRef idx="0">
+            <a:schemeClr val="accent1"/>
+          </a:effectRef>
+          <a:fontRef idx="minor">
+            <a:schemeClr val="lt1"/>
+          </a:fontRef>
+        </p:style>
+      </p:sp>
+      <p:pic>
+        <p:nvPicPr>
+          <p:cNvPr id="12" name="Picture 11">
+            <a:extLst>
+              <a:ext uri="{FF2B5EF4-FFF2-40B4-BE49-F238E27FC236}">
+                <a16:creationId xmlns:a16="http://schemas.microsoft.com/office/drawing/2014/main" id="{3EAD5E5B-543A-4690-8C75-BACF7FFB40ED}"/>
+              </a:ext>
+              <a:ext uri="{C183D7F6-B498-43B3-948B-1728B52AA6E4}">
+                <adec:decorative xmlns:adec="http://schemas.microsoft.com/office/drawing/2017/decorative" val="1"/>
+              </a:ext>
+            </a:extLst>
+          </p:cNvPr>
+          <p:cNvPicPr>
+            <a:picLocks noGrp="1" noRot="1" noChangeAspect="1" noMove="1" noResize="1" noEditPoints="1" noAdjustHandles="1" noChangeArrowheads="1" noChangeShapeType="1" noCrop="1"/>
+          </p:cNvPicPr>
+          <p:nvPr>
+            <p:extLst>
+              <p:ext uri="{386F3935-93C4-4BCD-93E2-E3B085C9AB24}">
+                <p16:designElem xmlns:p16="http://schemas.microsoft.com/office/powerpoint/2015/main" val="1"/>
+              </p:ext>
+            </p:extLst>
+          </p:nvPr>
+        </p:nvPicPr>
+        <p:blipFill>
+          <a:blip r:embed="rId2">
+            <a:alphaModFix amt="10000"/>
+            <a:extLst>
+              <a:ext uri="{28A0092B-C50C-407E-A947-70E740481C1C}">
+                <a14:useLocalDpi xmlns:a14="http://schemas.microsoft.com/office/drawing/2010/main" val="0"/>
+              </a:ext>
+            </a:extLst>
+          </a:blip>
+          <a:stretch>
+            <a:fillRect/>
+          </a:stretch>
+        </p:blipFill>
+        <p:spPr>
+          <a:xfrm>
+            <a:off x="-3176" y="0"/>
+            <a:ext cx="12192000" cy="6858000"/>
+          </a:xfrm>
+          <a:prstGeom prst="rect">
+            <a:avLst/>
+          </a:prstGeom>
+        </p:spPr>
+      </p:pic>
+      <p:pic>
+        <p:nvPicPr>
+          <p:cNvPr id="14" name="Picture 13">
+            <a:extLst>
+              <a:ext uri="{FF2B5EF4-FFF2-40B4-BE49-F238E27FC236}">
+                <a16:creationId xmlns:a16="http://schemas.microsoft.com/office/drawing/2014/main" id="{98739700-980C-4F96-84CD-97157DFE86AE}"/>
+              </a:ext>
+              <a:ext uri="{C183D7F6-B498-43B3-948B-1728B52AA6E4}">
+                <adec:decorative xmlns:adec="http://schemas.microsoft.com/office/drawing/2017/decorative" val="1"/>
+              </a:ext>
+            </a:extLst>
+          </p:cNvPr>
+          <p:cNvPicPr>
+            <a:picLocks noGrp="1" noRot="1" noChangeAspect="1" noMove="1" noResize="1" noEditPoints="1" noAdjustHandles="1" noChangeArrowheads="1" noChangeShapeType="1" noCrop="1"/>
+          </p:cNvPicPr>
+          <p:nvPr>
+            <p:extLst>
+              <p:ext uri="{386F3935-93C4-4BCD-93E2-E3B085C9AB24}">
+                <p16:designElem xmlns:p16="http://schemas.microsoft.com/office/powerpoint/2015/main" val="1"/>
+              </p:ext>
+            </p:extLst>
+          </p:nvPr>
+        </p:nvPicPr>
+        <p:blipFill>
+          <a:blip r:embed="rId3">
+            <a:extLst>
+              <a:ext uri="{28A0092B-C50C-407E-A947-70E740481C1C}">
+                <a14:useLocalDpi xmlns:a14="http://schemas.microsoft.com/office/drawing/2010/main" val="0"/>
+              </a:ext>
+            </a:extLst>
+          </a:blip>
+          <a:stretch>
+            <a:fillRect/>
+          </a:stretch>
+        </p:blipFill>
+        <p:spPr>
+          <a:xfrm>
+            <a:off x="2" y="1959089"/>
+            <a:ext cx="9107362" cy="321164"/>
+          </a:xfrm>
+          <a:prstGeom prst="rect">
+            <a:avLst/>
+          </a:prstGeom>
+        </p:spPr>
+      </p:pic>
+      <p:sp>
+        <p:nvSpPr>
+          <p:cNvPr id="16" name="Rectangle 15">
+            <a:extLst>
+              <a:ext uri="{FF2B5EF4-FFF2-40B4-BE49-F238E27FC236}">
+                <a16:creationId xmlns:a16="http://schemas.microsoft.com/office/drawing/2014/main" id="{52A2FDCB-3B06-44F3-A0AA-2C056C3E512F}"/>
+              </a:ext>
+              <a:ext uri="{C183D7F6-B498-43B3-948B-1728B52AA6E4}">
+                <adec:decorative xmlns:adec="http://schemas.microsoft.com/office/drawing/2017/decorative" val="1"/>
+              </a:ext>
+            </a:extLst>
+          </p:cNvPr>
+          <p:cNvSpPr>
+            <a:spLocks noGrp="1" noRot="1" noChangeAspect="1" noMove="1" noResize="1" noEditPoints="1" noAdjustHandles="1" noChangeArrowheads="1" noChangeShapeType="1" noTextEdit="1"/>
+          </p:cNvSpPr>
+          <p:nvPr>
+            <p:extLst>
+              <p:ext uri="{386F3935-93C4-4BCD-93E2-E3B085C9AB24}">
+                <p16:designElem xmlns:p16="http://schemas.microsoft.com/office/powerpoint/2015/main" val="1"/>
+              </p:ext>
+            </p:extLst>
+          </p:nvPr>
+        </p:nvSpPr>
+        <p:spPr bwMode="grayWhite">
+          <a:xfrm>
+            <a:off x="1" y="609600"/>
+            <a:ext cx="9107363" cy="1368198"/>
+          </a:xfrm>
+          <a:prstGeom prst="rect">
+            <a:avLst/>
+          </a:prstGeom>
+          <a:solidFill>
+            <a:srgbClr val="262626"/>
+          </a:solidFill>
+          <a:ln>
+            <a:noFill/>
+          </a:ln>
+        </p:spPr>
+        <p:style>
+          <a:lnRef idx="2">
+            <a:schemeClr val="accent1">
+              <a:shade val="50000"/>
+            </a:schemeClr>
+          </a:lnRef>
+          <a:fillRef idx="1">
+            <a:schemeClr val="accent1"/>
+          </a:fillRef>
+          <a:effectRef idx="0">
+            <a:schemeClr val="accent1"/>
+          </a:effectRef>
+          <a:fontRef idx="minor">
+            <a:schemeClr val="lt1"/>
+          </a:fontRef>
+        </p:style>
+      </p:sp>
+      <p:sp>
+        <p:nvSpPr>
+          <p:cNvPr id="2" name="Title 1">
+            <a:extLst>
+              <a:ext uri="{FF2B5EF4-FFF2-40B4-BE49-F238E27FC236}">
+                <a16:creationId xmlns:a16="http://schemas.microsoft.com/office/drawing/2014/main" id="{5EA67E39-20F3-48C4-BA92-853DD2B889A7}"/>
+              </a:ext>
+            </a:extLst>
+          </p:cNvPr>
+          <p:cNvSpPr>
+            <a:spLocks noGrp="1"/>
+          </p:cNvSpPr>
+          <p:nvPr>
+            <p:ph type="title"/>
+          </p:nvPr>
+        </p:nvSpPr>
+        <p:spPr>
+          <a:xfrm>
+            <a:off x="680321" y="753228"/>
+            <a:ext cx="7461844" cy="1080938"/>
+          </a:xfrm>
+        </p:spPr>
+        <p:txBody>
+          <a:bodyPr>
+            <a:normAutofit/>
+          </a:bodyPr>
+          <a:lstStyle/>
+          <a:p>
+            <a:r>
+              <a:rPr lang="en-US" dirty="0">
+                <a:solidFill>
+                  <a:srgbClr val="FFFFFF"/>
+                </a:solidFill>
+              </a:rPr>
               <a:t>Show me the data (visually)!</a:t>
             </a:r>
           </a:p>
@@ -9652,7 +10018,7 @@
 </p:sld>
 </file>
 
-<file path=ppt/slides/slide14.xml><?xml version="1.0" encoding="utf-8"?>
+<file path=ppt/slides/slide15.xml><?xml version="1.0" encoding="utf-8"?>
 <p:sld xmlns:a="http://schemas.openxmlformats.org/drawingml/2006/main" xmlns:r="http://schemas.openxmlformats.org/officeDocument/2006/relationships" xmlns:p="http://schemas.openxmlformats.org/presentationml/2006/main">
   <p:cSld>
     <p:spTree>
@@ -10799,7 +11165,7 @@
             <a:pPr lvl="1"/>
             <a:r>
               <a:rPr lang="en-US" sz="1800" dirty="0"/>
-              <a:t>chris@aftermanoftware.com</a:t>
+              <a:t>chris@aftermansoftware.com</a:t>
             </a:r>
           </a:p>
           <a:p>
@@ -10819,7 +11185,7 @@
             <a:pPr lvl="2"/>
             <a:r>
               <a:rPr lang="en-US" sz="1200" dirty="0"/>
-              <a:t>5 years at HP as Principal Architect and Development Lead in the Cloud Services division</a:t>
+              <a:t>5 years at HP as Principal Architect and Development Lead in the Enterprise Cloud Services division</a:t>
             </a:r>
           </a:p>
           <a:p>
@@ -11214,7 +11580,7 @@
           <a:p>
             <a:r>
               <a:rPr lang="en-US" sz="1800" dirty="0"/>
-              <a:t>Standards are adopted at varying rates</a:t>
+              <a:t>Standards are adopted at varying rates across browser vendors</a:t>
             </a:r>
           </a:p>
         </p:txBody>
@@ -11653,6 +12019,20 @@
             <a:r>
               <a:rPr lang="en-US" sz="1400" dirty="0"/>
               <a:t>Can I Use is a handy tool for checking functional features (e.g. fetch)</a:t>
+            </a:r>
+          </a:p>
+          <a:p>
+            <a:r>
+              <a:rPr lang="en-US" sz="1800" dirty="0"/>
+              <a:t>Bundling is the process of combining your </a:t>
+            </a:r>
+            <a:r>
+              <a:rPr lang="en-US" sz="1800" dirty="0" err="1"/>
+              <a:t>transpiled</a:t>
+            </a:r>
+            <a:r>
+              <a:rPr lang="en-US" sz="1800" dirty="0"/>
+              <a:t> code into packages</a:t>
             </a:r>
           </a:p>
           <a:p>
@@ -13032,7 +13412,7 @@
           <a:p>
             <a:r>
               <a:rPr lang="en-US" sz="1800" dirty="0"/>
-              <a:t>ReactJS development requires Node and NPM</a:t>
+              <a:t>Best Practice ReactJS development requires Node and NPM</a:t>
             </a:r>
           </a:p>
           <a:p>
@@ -14097,7 +14477,7 @@
                   <a:srgbClr val="FFFFFF"/>
                 </a:solidFill>
               </a:rPr>
-              <a:t>So, what exactly is React?</a:t>
+              <a:t>My Hero!</a:t>
             </a:r>
           </a:p>
         </p:txBody>
@@ -14132,7 +14512,41 @@
           <a:p>
             <a:r>
               <a:rPr lang="en-US" sz="1800" dirty="0"/>
-              <a:t>ReactJS is a view rendering library</a:t>
+              <a:t>Create React App is a Node based CLI for quickly scaffolding your React applications and development environment</a:t>
+            </a:r>
+          </a:p>
+          <a:p>
+            <a:r>
+              <a:rPr lang="en-US" sz="1800" dirty="0"/>
+              <a:t>Found on NPM: `$ </a:t>
+            </a:r>
+            <a:r>
+              <a:rPr lang="en-US" sz="1800" dirty="0" err="1"/>
+              <a:t>npm</a:t>
+            </a:r>
+            <a:r>
+              <a:rPr lang="en-US" sz="1800" dirty="0"/>
+              <a:t> –</a:t>
+            </a:r>
+            <a:r>
+              <a:rPr lang="en-US" sz="1800" dirty="0" err="1"/>
+              <a:t>i</a:t>
+            </a:r>
+            <a:r>
+              <a:rPr lang="en-US" sz="1800" dirty="0"/>
+              <a:t> –g create-react-app`</a:t>
+            </a:r>
+          </a:p>
+          <a:p>
+            <a:r>
+              <a:rPr lang="en-US" sz="1800" dirty="0"/>
+              <a:t>Version locks your environment dependencies</a:t>
+            </a:r>
+          </a:p>
+          <a:p>
+            <a:r>
+              <a:rPr lang="en-US" sz="1800" dirty="0"/>
+              <a:t>Offers an `eject` command to take off the training wheels</a:t>
             </a:r>
           </a:p>
         </p:txBody>
